--- a/Activity 7/Vertudez_Activity_7_Report.pptx
+++ b/Activity 7/Vertudez_Activity_7_Report.pptx
@@ -10,9 +10,11 @@
     <p:sldId id="256" r:id="rId4"/>
     <p:sldId id="257" r:id="rId5"/>
     <p:sldId id="262" r:id="rId6"/>
-    <p:sldId id="263" r:id="rId7"/>
-    <p:sldId id="288" r:id="rId8"/>
-    <p:sldId id="287" r:id="rId9"/>
+    <p:sldId id="289" r:id="rId7"/>
+    <p:sldId id="292" r:id="rId8"/>
+    <p:sldId id="263" r:id="rId9"/>
+    <p:sldId id="288" r:id="rId10"/>
+    <p:sldId id="287" r:id="rId11"/>
   </p:sldIdLst>
   <p:sldSz cx="12192000" cy="6858000"/>
   <p:notesSz cx="7772400" cy="10058400"/>
@@ -10073,7 +10075,7 @@
         </p:spPr>
         <p:txBody>
           <a:bodyPr anchor="b">
-            <a:normAutofit fontScale="90000"/>
+            <a:normAutofit/>
           </a:bodyPr>
           <a:lstStyle/>
           <a:p>
@@ -10090,19 +10092,24 @@
                 </a:solidFill>
                 <a:latin typeface="Calibri Light"/>
               </a:rPr>
-              <a:t>Activity 6:</a:t>
+              <a:t>Activity 7:</a:t>
             </a:r>
             <a:br>
-              <a:rPr sz="6000" dirty="0"/>
-            </a:br>
-            <a:r>
               <a:rPr lang="en-US" sz="6000" b="0" strike="noStrike" spc="-1" dirty="0">
                 <a:solidFill>
                   <a:srgbClr val="000000"/>
                 </a:solidFill>
                 <a:latin typeface="Calibri Light"/>
               </a:rPr>
-              <a:t>MORPHOLOGICAL OPERATIONS</a:t>
+            </a:br>
+            <a:r>
+              <a:rPr lang="en-US" sz="6000" b="0" strike="noStrike" spc="-1" dirty="0">
+                <a:solidFill>
+                  <a:srgbClr val="000000"/>
+                </a:solidFill>
+                <a:latin typeface="Calibri Light"/>
+              </a:rPr>
+              <a:t>FEATURE EXTRACTION</a:t>
             </a:r>
             <a:endParaRPr lang="en-US" sz="6000" b="0" strike="noStrike" spc="-1" dirty="0">
               <a:solidFill>
@@ -10360,13 +10367,13 @@
               <a:buChar char="•"/>
             </a:pPr>
             <a:r>
-              <a:rPr lang="en-US" sz="2800" b="0" strike="noStrike" spc="-1" dirty="0">
+              <a:rPr lang="en-US" spc="-1" dirty="0">
                 <a:solidFill>
                   <a:srgbClr val="000000"/>
                 </a:solidFill>
                 <a:latin typeface="Calibri"/>
               </a:rPr>
-              <a:t>Perform morphological operations manually on images given a structuring element</a:t>
+              <a:t>Extract features of an original image from its cleanly segmented image</a:t>
             </a:r>
           </a:p>
           <a:p>
@@ -10384,43 +10391,13 @@
               <a:buChar char="•"/>
             </a:pPr>
             <a:r>
-              <a:rPr lang="en-US" spc="-1" dirty="0">
-                <a:solidFill>
-                  <a:srgbClr val="000000"/>
-                </a:solidFill>
-                <a:latin typeface="Calibri"/>
-              </a:rPr>
-              <a:t>Verify the results numerically</a:t>
-            </a:r>
-            <a:endParaRPr lang="en-US" sz="2800" b="0" strike="noStrike" spc="-1" dirty="0">
-              <a:solidFill>
-                <a:srgbClr val="000000"/>
-              </a:solidFill>
-              <a:latin typeface="Calibri"/>
-            </a:endParaRPr>
-          </a:p>
-          <a:p>
-            <a:pPr marL="228600" indent="-228600">
-              <a:lnSpc>
-                <a:spcPct val="90000"/>
-              </a:lnSpc>
-              <a:spcBef>
-                <a:spcPts val="1001"/>
-              </a:spcBef>
-              <a:buClr>
-                <a:srgbClr val="000000"/>
-              </a:buClr>
-              <a:buFont typeface="Arial"/>
-              <a:buChar char="•"/>
-            </a:pPr>
-            <a:r>
               <a:rPr lang="en-US" sz="2800" b="0" strike="noStrike" spc="-1" dirty="0">
                 <a:solidFill>
                   <a:srgbClr val="000000"/>
                 </a:solidFill>
                 <a:latin typeface="Calibri"/>
               </a:rPr>
-              <a:t>Improve segmented images using morphological operations</a:t>
+              <a:t>Label desired objects in the image</a:t>
             </a:r>
           </a:p>
         </p:txBody>
@@ -10450,6 +10427,150 @@
           <a:chExt cx="0" cy="0"/>
         </a:xfrm>
       </p:grpSpPr>
+      <p:pic>
+        <p:nvPicPr>
+          <p:cNvPr id="4" name="Picture 3" descr="A picture containing black and white&#10;&#10;Description automatically generated">
+            <a:extLst>
+              <a:ext uri="{FF2B5EF4-FFF2-40B4-BE49-F238E27FC236}">
+                <a16:creationId xmlns:a16="http://schemas.microsoft.com/office/drawing/2014/main" id="{38419261-7ED5-8EAF-0A21-7882400533DD}"/>
+              </a:ext>
+            </a:extLst>
+          </p:cNvPr>
+          <p:cNvPicPr>
+            <a:picLocks noChangeAspect="1"/>
+          </p:cNvPicPr>
+          <p:nvPr/>
+        </p:nvPicPr>
+        <p:blipFill>
+          <a:blip r:embed="rId2">
+            <a:extLst>
+              <a:ext uri="{28A0092B-C50C-407E-A947-70E740481C1C}">
+                <a14:useLocalDpi xmlns:a14="http://schemas.microsoft.com/office/drawing/2010/main" val="0"/>
+              </a:ext>
+            </a:extLst>
+          </a:blip>
+          <a:stretch>
+            <a:fillRect/>
+          </a:stretch>
+        </p:blipFill>
+        <p:spPr>
+          <a:xfrm>
+            <a:off x="540252" y="4112693"/>
+            <a:ext cx="2525560" cy="1721973"/>
+          </a:xfrm>
+          <a:prstGeom prst="rect">
+            <a:avLst/>
+          </a:prstGeom>
+        </p:spPr>
+      </p:pic>
+      <p:pic>
+        <p:nvPicPr>
+          <p:cNvPr id="8" name="Picture 7" descr="A close-up of a microscope&#10;&#10;Description automatically generated with low confidence">
+            <a:extLst>
+              <a:ext uri="{FF2B5EF4-FFF2-40B4-BE49-F238E27FC236}">
+                <a16:creationId xmlns:a16="http://schemas.microsoft.com/office/drawing/2014/main" id="{DFBB700B-AB3B-B58E-4E07-06E9AA3BCF63}"/>
+              </a:ext>
+            </a:extLst>
+          </p:cNvPr>
+          <p:cNvPicPr>
+            <a:picLocks noChangeAspect="1"/>
+          </p:cNvPicPr>
+          <p:nvPr/>
+        </p:nvPicPr>
+        <p:blipFill>
+          <a:blip r:embed="rId3">
+            <a:extLst>
+              <a:ext uri="{28A0092B-C50C-407E-A947-70E740481C1C}">
+                <a14:useLocalDpi xmlns:a14="http://schemas.microsoft.com/office/drawing/2010/main" val="0"/>
+              </a:ext>
+            </a:extLst>
+          </a:blip>
+          <a:stretch>
+            <a:fillRect/>
+          </a:stretch>
+        </p:blipFill>
+        <p:spPr>
+          <a:xfrm>
+            <a:off x="509884" y="1707026"/>
+            <a:ext cx="2525561" cy="1721974"/>
+          </a:xfrm>
+          <a:prstGeom prst="rect">
+            <a:avLst/>
+          </a:prstGeom>
+        </p:spPr>
+      </p:pic>
+      <p:pic>
+        <p:nvPicPr>
+          <p:cNvPr id="18" name="Picture 17" descr="A picture containing screenshot, flower, colorfulness, text&#10;&#10;Description automatically generated">
+            <a:extLst>
+              <a:ext uri="{FF2B5EF4-FFF2-40B4-BE49-F238E27FC236}">
+                <a16:creationId xmlns:a16="http://schemas.microsoft.com/office/drawing/2014/main" id="{DF7E99F8-20AE-1451-84D7-7C60BED2A411}"/>
+              </a:ext>
+            </a:extLst>
+          </p:cNvPr>
+          <p:cNvPicPr>
+            <a:picLocks noChangeAspect="1"/>
+          </p:cNvPicPr>
+          <p:nvPr/>
+        </p:nvPicPr>
+        <p:blipFill>
+          <a:blip r:embed="rId4">
+            <a:extLst>
+              <a:ext uri="{28A0092B-C50C-407E-A947-70E740481C1C}">
+                <a14:useLocalDpi xmlns:a14="http://schemas.microsoft.com/office/drawing/2010/main" val="0"/>
+              </a:ext>
+            </a:extLst>
+          </a:blip>
+          <a:stretch>
+            <a:fillRect/>
+          </a:stretch>
+        </p:blipFill>
+        <p:spPr>
+          <a:xfrm>
+            <a:off x="7161276" y="1124669"/>
+            <a:ext cx="4844361" cy="2422181"/>
+          </a:xfrm>
+          <a:prstGeom prst="rect">
+            <a:avLst/>
+          </a:prstGeom>
+        </p:spPr>
+      </p:pic>
+      <p:pic>
+        <p:nvPicPr>
+          <p:cNvPr id="16" name="Picture 15" descr="A picture containing text, screenshot, number, font&#10;&#10;Description automatically generated">
+            <a:extLst>
+              <a:ext uri="{FF2B5EF4-FFF2-40B4-BE49-F238E27FC236}">
+                <a16:creationId xmlns:a16="http://schemas.microsoft.com/office/drawing/2014/main" id="{9705D99F-DFE5-7247-0A8E-E7FACCA7145E}"/>
+              </a:ext>
+            </a:extLst>
+          </p:cNvPr>
+          <p:cNvPicPr>
+            <a:picLocks noChangeAspect="1"/>
+          </p:cNvPicPr>
+          <p:nvPr/>
+        </p:nvPicPr>
+        <p:blipFill>
+          <a:blip r:embed="rId5">
+            <a:extLst>
+              <a:ext uri="{28A0092B-C50C-407E-A947-70E740481C1C}">
+                <a14:useLocalDpi xmlns:a14="http://schemas.microsoft.com/office/drawing/2010/main" val="0"/>
+              </a:ext>
+            </a:extLst>
+          </a:blip>
+          <a:stretch>
+            <a:fillRect/>
+          </a:stretch>
+        </p:blipFill>
+        <p:spPr>
+          <a:xfrm>
+            <a:off x="7706772" y="3416901"/>
+            <a:ext cx="3894947" cy="2989600"/>
+          </a:xfrm>
+          <a:prstGeom prst="rect">
+            <a:avLst/>
+          </a:prstGeom>
+        </p:spPr>
+      </p:pic>
       <p:sp>
         <p:nvSpPr>
           <p:cNvPr id="104" name="PlaceHolder 2"/>
@@ -10492,7 +10613,7 @@
                 </a:solidFill>
                 <a:latin typeface="Calibri Light"/>
               </a:rPr>
-              <a:t>MORPHOLOGICAL OPERATIONS - MANUAL</a:t>
+              <a:t>FEATURE EXTRACTION – MALARIA CELLS</a:t>
             </a:r>
             <a:endParaRPr lang="en-US" sz="4400" b="1" strike="noStrike" spc="-1" dirty="0">
               <a:solidFill>
@@ -10567,6 +10688,457 @@
                   <a:srgbClr val="000000"/>
                 </a:solidFill>
                 <a:latin typeface="Calibri"/>
+                <a:hlinkClick r:id="rId6"/>
+              </a:rPr>
+              <a:t>https://github.com/genvert/AP_157_FX-2_Vertudez/tree/main/Activity</a:t>
+            </a:r>
+            <a:r>
+              <a:rPr lang="en-US" sz="1200" spc="-1">
+                <a:solidFill>
+                  <a:srgbClr val="000000"/>
+                </a:solidFill>
+                <a:latin typeface="Calibri"/>
+                <a:hlinkClick r:id="rId6"/>
+              </a:rPr>
+              <a:t>%207</a:t>
+            </a:r>
+            <a:endParaRPr lang="en-US" sz="1200" spc="-1" dirty="0">
+              <a:solidFill>
+                <a:srgbClr val="000000"/>
+              </a:solidFill>
+              <a:latin typeface="Calibri"/>
+            </a:endParaRPr>
+          </a:p>
+        </p:txBody>
+      </p:sp>
+      <p:sp>
+        <p:nvSpPr>
+          <p:cNvPr id="10" name="TextBox 9">
+            <a:extLst>
+              <a:ext uri="{FF2B5EF4-FFF2-40B4-BE49-F238E27FC236}">
+                <a16:creationId xmlns:a16="http://schemas.microsoft.com/office/drawing/2014/main" id="{EBFC1B79-F698-B3A4-99DB-BA406F8442F5}"/>
+              </a:ext>
+            </a:extLst>
+          </p:cNvPr>
+          <p:cNvSpPr txBox="1"/>
+          <p:nvPr/>
+        </p:nvSpPr>
+        <p:spPr>
+          <a:xfrm>
+            <a:off x="1056226" y="3433398"/>
+            <a:ext cx="1432875" cy="338554"/>
+          </a:xfrm>
+          <a:prstGeom prst="rect">
+            <a:avLst/>
+          </a:prstGeom>
+          <a:noFill/>
+        </p:spPr>
+        <p:txBody>
+          <a:bodyPr wrap="square" rtlCol="0">
+            <a:spAutoFit/>
+          </a:bodyPr>
+          <a:lstStyle/>
+          <a:p>
+            <a:pPr algn="ctr"/>
+            <a:r>
+              <a:rPr lang="en-US" sz="1600" b="1" dirty="0">
+                <a:latin typeface="Calibri" panose="020F0502020204030204" pitchFamily="34" charset="0"/>
+                <a:cs typeface="Calibri" panose="020F0502020204030204" pitchFamily="34" charset="0"/>
+              </a:rPr>
+              <a:t>Original image</a:t>
+            </a:r>
+          </a:p>
+        </p:txBody>
+      </p:sp>
+      <p:sp>
+        <p:nvSpPr>
+          <p:cNvPr id="11" name="TextBox 10">
+            <a:extLst>
+              <a:ext uri="{FF2B5EF4-FFF2-40B4-BE49-F238E27FC236}">
+                <a16:creationId xmlns:a16="http://schemas.microsoft.com/office/drawing/2014/main" id="{6AEB4832-7289-07A7-4295-7326272A8B79}"/>
+              </a:ext>
+            </a:extLst>
+          </p:cNvPr>
+          <p:cNvSpPr txBox="1"/>
+          <p:nvPr/>
+        </p:nvSpPr>
+        <p:spPr>
+          <a:xfrm>
+            <a:off x="905214" y="5834666"/>
+            <a:ext cx="1734897" cy="338554"/>
+          </a:xfrm>
+          <a:prstGeom prst="rect">
+            <a:avLst/>
+          </a:prstGeom>
+          <a:noFill/>
+        </p:spPr>
+        <p:txBody>
+          <a:bodyPr wrap="square" rtlCol="0">
+            <a:spAutoFit/>
+          </a:bodyPr>
+          <a:lstStyle/>
+          <a:p>
+            <a:pPr algn="ctr"/>
+            <a:r>
+              <a:rPr lang="en-US" sz="1600" b="1" dirty="0">
+                <a:latin typeface="Calibri" panose="020F0502020204030204" pitchFamily="34" charset="0"/>
+                <a:cs typeface="Calibri" panose="020F0502020204030204" pitchFamily="34" charset="0"/>
+              </a:rPr>
+              <a:t>Segmented image</a:t>
+            </a:r>
+          </a:p>
+        </p:txBody>
+      </p:sp>
+      <p:sp>
+        <p:nvSpPr>
+          <p:cNvPr id="12" name="TextBox 11">
+            <a:extLst>
+              <a:ext uri="{FF2B5EF4-FFF2-40B4-BE49-F238E27FC236}">
+                <a16:creationId xmlns:a16="http://schemas.microsoft.com/office/drawing/2014/main" id="{A3EDC94A-CA75-8AEB-7327-009AA62177A3}"/>
+              </a:ext>
+            </a:extLst>
+          </p:cNvPr>
+          <p:cNvSpPr txBox="1"/>
+          <p:nvPr/>
+        </p:nvSpPr>
+        <p:spPr>
+          <a:xfrm>
+            <a:off x="8937806" y="3078347"/>
+            <a:ext cx="1432875" cy="338554"/>
+          </a:xfrm>
+          <a:prstGeom prst="rect">
+            <a:avLst/>
+          </a:prstGeom>
+          <a:noFill/>
+        </p:spPr>
+        <p:txBody>
+          <a:bodyPr wrap="square" rtlCol="0">
+            <a:spAutoFit/>
+          </a:bodyPr>
+          <a:lstStyle/>
+          <a:p>
+            <a:pPr algn="ctr"/>
+            <a:r>
+              <a:rPr lang="en-US" sz="1600" b="1" dirty="0">
+                <a:latin typeface="Calibri" panose="020F0502020204030204" pitchFamily="34" charset="0"/>
+                <a:cs typeface="Calibri" panose="020F0502020204030204" pitchFamily="34" charset="0"/>
+              </a:rPr>
+              <a:t>Labeled image</a:t>
+            </a:r>
+          </a:p>
+        </p:txBody>
+      </p:sp>
+      <p:sp>
+        <p:nvSpPr>
+          <p:cNvPr id="13" name="TextBox 12">
+            <a:extLst>
+              <a:ext uri="{FF2B5EF4-FFF2-40B4-BE49-F238E27FC236}">
+                <a16:creationId xmlns:a16="http://schemas.microsoft.com/office/drawing/2014/main" id="{65E67B09-030D-C2C9-E027-3874D8F50BAE}"/>
+              </a:ext>
+            </a:extLst>
+          </p:cNvPr>
+          <p:cNvSpPr txBox="1"/>
+          <p:nvPr/>
+        </p:nvSpPr>
+        <p:spPr>
+          <a:xfrm>
+            <a:off x="8937807" y="6314907"/>
+            <a:ext cx="1432875" cy="338554"/>
+          </a:xfrm>
+          <a:prstGeom prst="rect">
+            <a:avLst/>
+          </a:prstGeom>
+          <a:noFill/>
+        </p:spPr>
+        <p:txBody>
+          <a:bodyPr wrap="square" rtlCol="0">
+            <a:spAutoFit/>
+          </a:bodyPr>
+          <a:lstStyle/>
+          <a:p>
+            <a:pPr algn="ctr"/>
+            <a:r>
+              <a:rPr lang="en-US" sz="1600" b="1" dirty="0">
+                <a:latin typeface="Calibri" panose="020F0502020204030204" pitchFamily="34" charset="0"/>
+                <a:cs typeface="Calibri" panose="020F0502020204030204" pitchFamily="34" charset="0"/>
+              </a:rPr>
+              <a:t>Features</a:t>
+            </a:r>
+          </a:p>
+        </p:txBody>
+      </p:sp>
+      <p:sp>
+        <p:nvSpPr>
+          <p:cNvPr id="15" name="TextBox 14">
+            <a:extLst>
+              <a:ext uri="{FF2B5EF4-FFF2-40B4-BE49-F238E27FC236}">
+                <a16:creationId xmlns:a16="http://schemas.microsoft.com/office/drawing/2014/main" id="{44B9FB98-D7FB-F0C6-B569-8C8FF252ABDB}"/>
+              </a:ext>
+            </a:extLst>
+          </p:cNvPr>
+          <p:cNvSpPr txBox="1"/>
+          <p:nvPr/>
+        </p:nvSpPr>
+        <p:spPr>
+          <a:xfrm>
+            <a:off x="434456" y="1144029"/>
+            <a:ext cx="11322843" cy="338554"/>
+          </a:xfrm>
+          <a:prstGeom prst="rect">
+            <a:avLst/>
+          </a:prstGeom>
+          <a:noFill/>
+        </p:spPr>
+        <p:txBody>
+          <a:bodyPr wrap="square" rtlCol="0">
+            <a:spAutoFit/>
+          </a:bodyPr>
+          <a:lstStyle/>
+          <a:p>
+            <a:pPr algn="just"/>
+            <a:r>
+              <a:rPr lang="en-US" sz="1600" dirty="0">
+                <a:latin typeface="Calibri" panose="020F0502020204030204" pitchFamily="34" charset="0"/>
+                <a:cs typeface="Calibri" panose="020F0502020204030204" pitchFamily="34" charset="0"/>
+              </a:rPr>
+              <a:t>Now that we have the cleanly segmented image, we can now </a:t>
+            </a:r>
+            <a:r>
+              <a:rPr lang="en-US" sz="1600" b="1" dirty="0">
+                <a:latin typeface="Calibri" panose="020F0502020204030204" pitchFamily="34" charset="0"/>
+                <a:cs typeface="Calibri" panose="020F0502020204030204" pitchFamily="34" charset="0"/>
+              </a:rPr>
+              <a:t>extract features </a:t>
+            </a:r>
+            <a:r>
+              <a:rPr lang="en-US" sz="1600" dirty="0">
+                <a:latin typeface="Calibri" panose="020F0502020204030204" pitchFamily="34" charset="0"/>
+                <a:cs typeface="Calibri" panose="020F0502020204030204" pitchFamily="34" charset="0"/>
+              </a:rPr>
+              <a:t>from the original image.</a:t>
+            </a:r>
+            <a:endParaRPr lang="en-US" sz="1600" b="1" dirty="0">
+              <a:latin typeface="Calibri" panose="020F0502020204030204" pitchFamily="34" charset="0"/>
+              <a:cs typeface="Calibri" panose="020F0502020204030204" pitchFamily="34" charset="0"/>
+            </a:endParaRPr>
+          </a:p>
+        </p:txBody>
+      </p:sp>
+      <p:sp>
+        <p:nvSpPr>
+          <p:cNvPr id="20" name="TextBox 19">
+            <a:extLst>
+              <a:ext uri="{FF2B5EF4-FFF2-40B4-BE49-F238E27FC236}">
+                <a16:creationId xmlns:a16="http://schemas.microsoft.com/office/drawing/2014/main" id="{6FFA19FB-904B-F626-A996-4A0F5556C6C7}"/>
+              </a:ext>
+            </a:extLst>
+          </p:cNvPr>
+          <p:cNvSpPr txBox="1"/>
+          <p:nvPr/>
+        </p:nvSpPr>
+        <p:spPr>
+          <a:xfrm>
+            <a:off x="3276384" y="1707026"/>
+            <a:ext cx="4189645" cy="4708981"/>
+          </a:xfrm>
+          <a:prstGeom prst="rect">
+            <a:avLst/>
+          </a:prstGeom>
+          <a:noFill/>
+        </p:spPr>
+        <p:txBody>
+          <a:bodyPr wrap="square" rtlCol="0">
+            <a:spAutoFit/>
+          </a:bodyPr>
+          <a:lstStyle/>
+          <a:p>
+            <a:pPr algn="just"/>
+            <a:r>
+              <a:rPr lang="en-US" sz="1500" dirty="0">
+                <a:latin typeface="Calibri" panose="020F0502020204030204" pitchFamily="34" charset="0"/>
+                <a:cs typeface="Calibri" panose="020F0502020204030204" pitchFamily="34" charset="0"/>
+              </a:rPr>
+              <a:t>Shown on the left again are the original image and the segmented image of the malaria cells.</a:t>
+            </a:r>
+          </a:p>
+          <a:p>
+            <a:pPr algn="just"/>
+            <a:endParaRPr lang="en-US" sz="1500" dirty="0">
+              <a:latin typeface="Calibri" panose="020F0502020204030204" pitchFamily="34" charset="0"/>
+              <a:cs typeface="Calibri" panose="020F0502020204030204" pitchFamily="34" charset="0"/>
+            </a:endParaRPr>
+          </a:p>
+          <a:p>
+            <a:pPr algn="just"/>
+            <a:r>
+              <a:rPr lang="en-US" sz="1500" dirty="0">
+                <a:latin typeface="Calibri" panose="020F0502020204030204" pitchFamily="34" charset="0"/>
+                <a:cs typeface="Calibri" panose="020F0502020204030204" pitchFamily="34" charset="0"/>
+              </a:rPr>
+              <a:t>We can then label each blob of cell individually, with colors or with numbers as shown in the right. The number labels are placed on the centroid of each blob, which is a feature also extracted from it. One cell is counted as one continuous (connected) white patch. Human judgment might suggest that cells number 3 and 13 are actually still a group of cells, which is more likely correct. However, this needs a more advanced methods to actually discern the individual cells in that group.</a:t>
+            </a:r>
+          </a:p>
+          <a:p>
+            <a:pPr algn="just"/>
+            <a:endParaRPr lang="en-US" sz="1500" dirty="0">
+              <a:latin typeface="Calibri" panose="020F0502020204030204" pitchFamily="34" charset="0"/>
+              <a:cs typeface="Calibri" panose="020F0502020204030204" pitchFamily="34" charset="0"/>
+            </a:endParaRPr>
+          </a:p>
+          <a:p>
+            <a:pPr algn="just"/>
+            <a:r>
+              <a:rPr lang="en-US" sz="1500" dirty="0">
+                <a:latin typeface="Calibri" panose="020F0502020204030204" pitchFamily="34" charset="0"/>
+                <a:cs typeface="Calibri" panose="020F0502020204030204" pitchFamily="34" charset="0"/>
+              </a:rPr>
+              <a:t>The image on the right shows the extracted features of each cell, including their area, convex area which is the area of the smallest convex shape that can bound the cell, bounding box area, major and minor axes lengths, and eccentricity which is a measure of roundness.</a:t>
+            </a:r>
+          </a:p>
+        </p:txBody>
+      </p:sp>
+    </p:spTree>
+  </p:cSld>
+  <p:clrMapOvr>
+    <a:masterClrMapping/>
+  </p:clrMapOvr>
+</p:sld>
+</file>
+
+<file path=ppt/slides/slide4.xml><?xml version="1.0" encoding="utf-8"?>
+<p:sld xmlns:a="http://schemas.openxmlformats.org/drawingml/2006/main" xmlns:r="http://schemas.openxmlformats.org/officeDocument/2006/relationships" xmlns:p="http://schemas.openxmlformats.org/presentationml/2006/main">
+  <p:cSld>
+    <p:spTree>
+      <p:nvGrpSpPr>
+        <p:cNvPr id="1" name=""/>
+        <p:cNvGrpSpPr/>
+        <p:nvPr/>
+      </p:nvGrpSpPr>
+      <p:grpSpPr>
+        <a:xfrm>
+          <a:off x="0" y="0"/>
+          <a:ext cx="0" cy="0"/>
+          <a:chOff x="0" y="0"/>
+          <a:chExt cx="0" cy="0"/>
+        </a:xfrm>
+      </p:grpSpPr>
+      <p:sp>
+        <p:nvSpPr>
+          <p:cNvPr id="104" name="PlaceHolder 2"/>
+          <p:cNvSpPr>
+            <a:spLocks noGrp="1"/>
+          </p:cNvSpPr>
+          <p:nvPr>
+            <p:ph type="title"/>
+          </p:nvPr>
+        </p:nvSpPr>
+        <p:spPr>
+          <a:xfrm>
+            <a:off x="-1" y="0"/>
+            <a:ext cx="12191759" cy="1325160"/>
+          </a:xfrm>
+          <a:prstGeom prst="rect">
+            <a:avLst/>
+          </a:prstGeom>
+          <a:noFill/>
+          <a:ln w="0">
+            <a:noFill/>
+          </a:ln>
+        </p:spPr>
+        <p:txBody>
+          <a:bodyPr anchor="ctr">
+            <a:noAutofit/>
+          </a:bodyPr>
+          <a:lstStyle/>
+          <a:p>
+            <a:pPr algn="ctr">
+              <a:lnSpc>
+                <a:spcPct val="90000"/>
+              </a:lnSpc>
+              <a:buNone/>
+            </a:pPr>
+            <a:r>
+              <a:rPr lang="en-US" sz="4400" b="1" strike="noStrike" spc="-1" dirty="0">
+                <a:solidFill>
+                  <a:srgbClr val="000000"/>
+                </a:solidFill>
+                <a:latin typeface="Calibri Light"/>
+              </a:rPr>
+              <a:t>FEATURE EXTRACTION – SAND PARTICLES</a:t>
+            </a:r>
+            <a:endParaRPr lang="en-US" sz="4400" b="1" strike="noStrike" spc="-1" dirty="0">
+              <a:solidFill>
+                <a:srgbClr val="000000"/>
+              </a:solidFill>
+              <a:latin typeface="Calibri"/>
+            </a:endParaRPr>
+          </a:p>
+        </p:txBody>
+      </p:sp>
+      <p:sp>
+        <p:nvSpPr>
+          <p:cNvPr id="105" name="Content Placeholder 2"/>
+          <p:cNvSpPr/>
+          <p:nvPr/>
+        </p:nvSpPr>
+        <p:spPr>
+          <a:xfrm>
+            <a:off x="0" y="6610680"/>
+            <a:ext cx="12191760" cy="246960"/>
+          </a:xfrm>
+          <a:prstGeom prst="rect">
+            <a:avLst/>
+          </a:prstGeom>
+          <a:noFill/>
+          <a:ln w="0">
+            <a:noFill/>
+          </a:ln>
+        </p:spPr>
+        <p:style>
+          <a:lnRef idx="0">
+            <a:scrgbClr r="0" g="0" b="0"/>
+          </a:lnRef>
+          <a:fillRef idx="0">
+            <a:scrgbClr r="0" g="0" b="0"/>
+          </a:fillRef>
+          <a:effectRef idx="0">
+            <a:scrgbClr r="0" g="0" b="0"/>
+          </a:effectRef>
+          <a:fontRef idx="minor"/>
+        </p:style>
+        <p:txBody>
+          <a:bodyPr anchor="t">
+            <a:normAutofit fontScale="95000"/>
+          </a:bodyPr>
+          <a:lstStyle/>
+          <a:p>
+            <a:pPr>
+              <a:lnSpc>
+                <a:spcPct val="90000"/>
+              </a:lnSpc>
+              <a:spcBef>
+                <a:spcPts val="1001"/>
+              </a:spcBef>
+              <a:buNone/>
+              <a:tabLst>
+                <a:tab pos="0" algn="l"/>
+              </a:tabLst>
+            </a:pPr>
+            <a:r>
+              <a:rPr lang="en-US" sz="1200" b="0" strike="noStrike" spc="-1" dirty="0">
+                <a:solidFill>
+                  <a:srgbClr val="000000"/>
+                </a:solidFill>
+                <a:latin typeface="Calibri"/>
+              </a:rPr>
+              <a:t>Codes and files: </a:t>
+            </a:r>
+            <a:r>
+              <a:rPr lang="en-US" sz="1200" spc="-1" dirty="0">
+                <a:solidFill>
+                  <a:srgbClr val="000000"/>
+                </a:solidFill>
+                <a:latin typeface="Calibri"/>
                 <a:hlinkClick r:id="rId2"/>
               </a:rPr>
               <a:t>https://github.com/genvert/AP_157_FX-2_Vertudez/tree/main/Activity</a:t>
@@ -10590,12 +11162,241 @@
           </a:p>
         </p:txBody>
       </p:sp>
+      <p:sp>
+        <p:nvSpPr>
+          <p:cNvPr id="24" name="TextBox 23">
+            <a:extLst>
+              <a:ext uri="{FF2B5EF4-FFF2-40B4-BE49-F238E27FC236}">
+                <a16:creationId xmlns:a16="http://schemas.microsoft.com/office/drawing/2014/main" id="{2231A92B-72CD-B7BB-8EF7-066CE285674D}"/>
+              </a:ext>
+            </a:extLst>
+          </p:cNvPr>
+          <p:cNvSpPr txBox="1"/>
+          <p:nvPr/>
+        </p:nvSpPr>
+        <p:spPr>
+          <a:xfrm>
+            <a:off x="1088168" y="3347956"/>
+            <a:ext cx="1432875" cy="338554"/>
+          </a:xfrm>
+          <a:prstGeom prst="rect">
+            <a:avLst/>
+          </a:prstGeom>
+          <a:noFill/>
+        </p:spPr>
+        <p:txBody>
+          <a:bodyPr wrap="square" rtlCol="0">
+            <a:spAutoFit/>
+          </a:bodyPr>
+          <a:lstStyle/>
+          <a:p>
+            <a:pPr algn="ctr"/>
+            <a:r>
+              <a:rPr lang="en-US" sz="1600" b="1" dirty="0">
+                <a:latin typeface="Calibri" panose="020F0502020204030204" pitchFamily="34" charset="0"/>
+                <a:cs typeface="Calibri" panose="020F0502020204030204" pitchFamily="34" charset="0"/>
+              </a:rPr>
+              <a:t>Original image</a:t>
+            </a:r>
+          </a:p>
+        </p:txBody>
+      </p:sp>
+      <p:sp>
+        <p:nvSpPr>
+          <p:cNvPr id="25" name="TextBox 24">
+            <a:extLst>
+              <a:ext uri="{FF2B5EF4-FFF2-40B4-BE49-F238E27FC236}">
+                <a16:creationId xmlns:a16="http://schemas.microsoft.com/office/drawing/2014/main" id="{C9CEB83A-6C5A-15BD-9E3C-6AF2FCB777F2}"/>
+              </a:ext>
+            </a:extLst>
+          </p:cNvPr>
+          <p:cNvSpPr txBox="1"/>
+          <p:nvPr/>
+        </p:nvSpPr>
+        <p:spPr>
+          <a:xfrm>
+            <a:off x="937156" y="5839785"/>
+            <a:ext cx="1734897" cy="338554"/>
+          </a:xfrm>
+          <a:prstGeom prst="rect">
+            <a:avLst/>
+          </a:prstGeom>
+          <a:noFill/>
+        </p:spPr>
+        <p:txBody>
+          <a:bodyPr wrap="square" rtlCol="0">
+            <a:spAutoFit/>
+          </a:bodyPr>
+          <a:lstStyle/>
+          <a:p>
+            <a:pPr algn="ctr"/>
+            <a:r>
+              <a:rPr lang="en-US" sz="1600" b="1" dirty="0">
+                <a:latin typeface="Calibri" panose="020F0502020204030204" pitchFamily="34" charset="0"/>
+                <a:cs typeface="Calibri" panose="020F0502020204030204" pitchFamily="34" charset="0"/>
+              </a:rPr>
+              <a:t>Segmented image</a:t>
+            </a:r>
+          </a:p>
+        </p:txBody>
+      </p:sp>
+      <p:sp>
+        <p:nvSpPr>
+          <p:cNvPr id="26" name="TextBox 25">
+            <a:extLst>
+              <a:ext uri="{FF2B5EF4-FFF2-40B4-BE49-F238E27FC236}">
+                <a16:creationId xmlns:a16="http://schemas.microsoft.com/office/drawing/2014/main" id="{BA0C4E50-44C4-EE32-1F1F-CBD865719DBC}"/>
+              </a:ext>
+            </a:extLst>
+          </p:cNvPr>
+          <p:cNvSpPr txBox="1"/>
+          <p:nvPr/>
+        </p:nvSpPr>
+        <p:spPr>
+          <a:xfrm>
+            <a:off x="8937806" y="3288409"/>
+            <a:ext cx="1432875" cy="338554"/>
+          </a:xfrm>
+          <a:prstGeom prst="rect">
+            <a:avLst/>
+          </a:prstGeom>
+          <a:noFill/>
+        </p:spPr>
+        <p:txBody>
+          <a:bodyPr wrap="square" rtlCol="0">
+            <a:spAutoFit/>
+          </a:bodyPr>
+          <a:lstStyle/>
+          <a:p>
+            <a:pPr algn="ctr"/>
+            <a:r>
+              <a:rPr lang="en-US" sz="1600" b="1" dirty="0">
+                <a:latin typeface="Calibri" panose="020F0502020204030204" pitchFamily="34" charset="0"/>
+                <a:cs typeface="Calibri" panose="020F0502020204030204" pitchFamily="34" charset="0"/>
+              </a:rPr>
+              <a:t>Labeled image</a:t>
+            </a:r>
+          </a:p>
+        </p:txBody>
+      </p:sp>
+      <p:sp>
+        <p:nvSpPr>
+          <p:cNvPr id="27" name="TextBox 26">
+            <a:extLst>
+              <a:ext uri="{FF2B5EF4-FFF2-40B4-BE49-F238E27FC236}">
+                <a16:creationId xmlns:a16="http://schemas.microsoft.com/office/drawing/2014/main" id="{8C8C3592-8DCB-AB3C-3CAF-29811930C2CF}"/>
+              </a:ext>
+            </a:extLst>
+          </p:cNvPr>
+          <p:cNvSpPr txBox="1"/>
+          <p:nvPr/>
+        </p:nvSpPr>
+        <p:spPr>
+          <a:xfrm>
+            <a:off x="8937807" y="6314907"/>
+            <a:ext cx="1432875" cy="338554"/>
+          </a:xfrm>
+          <a:prstGeom prst="rect">
+            <a:avLst/>
+          </a:prstGeom>
+          <a:noFill/>
+        </p:spPr>
+        <p:txBody>
+          <a:bodyPr wrap="square" rtlCol="0">
+            <a:spAutoFit/>
+          </a:bodyPr>
+          <a:lstStyle/>
+          <a:p>
+            <a:pPr algn="ctr"/>
+            <a:r>
+              <a:rPr lang="en-US" sz="1600" b="1" dirty="0">
+                <a:latin typeface="Calibri" panose="020F0502020204030204" pitchFamily="34" charset="0"/>
+                <a:cs typeface="Calibri" panose="020F0502020204030204" pitchFamily="34" charset="0"/>
+              </a:rPr>
+              <a:t>Features</a:t>
+            </a:r>
+          </a:p>
+        </p:txBody>
+      </p:sp>
+      <p:sp>
+        <p:nvSpPr>
+          <p:cNvPr id="28" name="TextBox 27">
+            <a:extLst>
+              <a:ext uri="{FF2B5EF4-FFF2-40B4-BE49-F238E27FC236}">
+                <a16:creationId xmlns:a16="http://schemas.microsoft.com/office/drawing/2014/main" id="{5160CB35-A2B0-B1AC-76E0-A22B299C103C}"/>
+              </a:ext>
+            </a:extLst>
+          </p:cNvPr>
+          <p:cNvSpPr txBox="1"/>
+          <p:nvPr/>
+        </p:nvSpPr>
+        <p:spPr>
+          <a:xfrm>
+            <a:off x="3208185" y="1364805"/>
+            <a:ext cx="4189645" cy="4770537"/>
+          </a:xfrm>
+          <a:prstGeom prst="rect">
+            <a:avLst/>
+          </a:prstGeom>
+          <a:noFill/>
+        </p:spPr>
+        <p:txBody>
+          <a:bodyPr wrap="square" rtlCol="0">
+            <a:spAutoFit/>
+          </a:bodyPr>
+          <a:lstStyle/>
+          <a:p>
+            <a:pPr algn="just"/>
+            <a:r>
+              <a:rPr lang="en-US" sz="1600" dirty="0">
+                <a:latin typeface="Calibri" panose="020F0502020204030204" pitchFamily="34" charset="0"/>
+                <a:cs typeface="Calibri" panose="020F0502020204030204" pitchFamily="34" charset="0"/>
+              </a:rPr>
+              <a:t>Shown on the left again are the original image and the segmented image of the sand particles.</a:t>
+            </a:r>
+          </a:p>
+          <a:p>
+            <a:pPr algn="just"/>
+            <a:endParaRPr lang="en-US" sz="1600" dirty="0">
+              <a:latin typeface="Calibri" panose="020F0502020204030204" pitchFamily="34" charset="0"/>
+              <a:cs typeface="Calibri" panose="020F0502020204030204" pitchFamily="34" charset="0"/>
+            </a:endParaRPr>
+          </a:p>
+          <a:p>
+            <a:pPr algn="just"/>
+            <a:r>
+              <a:rPr lang="en-US" sz="1600" dirty="0">
+                <a:latin typeface="Calibri" panose="020F0502020204030204" pitchFamily="34" charset="0"/>
+                <a:cs typeface="Calibri" panose="020F0502020204030204" pitchFamily="34" charset="0"/>
+              </a:rPr>
+              <a:t>We can then label each particle of sand individually, with colors or with numbers as shown in the right. The number labels are placed on the centroid of each particle, which is a feature also extracted from it. One particle is counted as one continuous (connected) white patch. In this case, the particles are clearly separated so we are certain that there is no overlapping individual particle.</a:t>
+            </a:r>
+          </a:p>
+          <a:p>
+            <a:pPr algn="just"/>
+            <a:endParaRPr lang="en-US" sz="1600" dirty="0">
+              <a:latin typeface="Calibri" panose="020F0502020204030204" pitchFamily="34" charset="0"/>
+              <a:cs typeface="Calibri" panose="020F0502020204030204" pitchFamily="34" charset="0"/>
+            </a:endParaRPr>
+          </a:p>
+          <a:p>
+            <a:pPr algn="just"/>
+            <a:r>
+              <a:rPr lang="en-US" sz="1600" dirty="0">
+                <a:latin typeface="Calibri" panose="020F0502020204030204" pitchFamily="34" charset="0"/>
+                <a:cs typeface="Calibri" panose="020F0502020204030204" pitchFamily="34" charset="0"/>
+              </a:rPr>
+              <a:t>The image on the right shows the extracted features of each cell, including their area, convex area which is the area of the smallest convex shape that can bound the cell, bounding box area, major and minor axes lengths, and eccentricity which is a measure of roundness.</a:t>
+            </a:r>
+          </a:p>
+        </p:txBody>
+      </p:sp>
       <p:pic>
         <p:nvPicPr>
-          <p:cNvPr id="3" name="Picture 2" descr="A picture containing text, diagram, plan, parallel&#10;&#10;Description automatically generated">
+          <p:cNvPr id="31" name="Picture 30" descr="A group of rocks on a black background&#10;&#10;Description automatically generated with low confidence">
             <a:extLst>
               <a:ext uri="{FF2B5EF4-FFF2-40B4-BE49-F238E27FC236}">
-                <a16:creationId xmlns:a16="http://schemas.microsoft.com/office/drawing/2014/main" id="{9CBC4DD8-A761-EFD4-CA43-917EC8002C94}"/>
+                <a16:creationId xmlns:a16="http://schemas.microsoft.com/office/drawing/2014/main" id="{C1CA6725-40F3-0F32-FB21-C1F00A38DE08}"/>
               </a:ext>
             </a:extLst>
           </p:cNvPr>
@@ -10618,8 +11419,8 @@
         </p:blipFill>
         <p:spPr>
           <a:xfrm>
-            <a:off x="488943" y="3429000"/>
-            <a:ext cx="2061720" cy="2739032"/>
+            <a:off x="691851" y="1191390"/>
+            <a:ext cx="2225511" cy="2225511"/>
           </a:xfrm>
           <a:prstGeom prst="rect">
             <a:avLst/>
@@ -10628,10 +11429,10 @@
       </p:pic>
       <p:pic>
         <p:nvPicPr>
-          <p:cNvPr id="5" name="Picture 4" descr="A picture containing text, diagram, plan, rectangle&#10;&#10;Description automatically generated">
+          <p:cNvPr id="33" name="Picture 32" descr="A picture containing text, screenshot, number, menu&#10;&#10;Description automatically generated">
             <a:extLst>
               <a:ext uri="{FF2B5EF4-FFF2-40B4-BE49-F238E27FC236}">
-                <a16:creationId xmlns:a16="http://schemas.microsoft.com/office/drawing/2014/main" id="{74D32E59-656C-18C5-E356-42D7FA1A10EC}"/>
+                <a16:creationId xmlns:a16="http://schemas.microsoft.com/office/drawing/2014/main" id="{494F6286-0957-17EC-3442-1306B6FD6B37}"/>
               </a:ext>
             </a:extLst>
           </p:cNvPr>
@@ -10654,8 +11455,8 @@
         </p:blipFill>
         <p:spPr>
           <a:xfrm>
-            <a:off x="9641337" y="3429000"/>
-            <a:ext cx="2061720" cy="2736534"/>
+            <a:off x="9737962" y="4220525"/>
+            <a:ext cx="2397234" cy="2008175"/>
           </a:xfrm>
           <a:prstGeom prst="rect">
             <a:avLst/>
@@ -10664,10 +11465,10 @@
       </p:pic>
       <p:pic>
         <p:nvPicPr>
-          <p:cNvPr id="7" name="Picture 6" descr="A picture containing diagram, plan, schematic, sketch&#10;&#10;Description automatically generated">
+          <p:cNvPr id="35" name="Picture 34" descr="A picture containing text, screenshot, number, font&#10;&#10;Description automatically generated">
             <a:extLst>
               <a:ext uri="{FF2B5EF4-FFF2-40B4-BE49-F238E27FC236}">
-                <a16:creationId xmlns:a16="http://schemas.microsoft.com/office/drawing/2014/main" id="{20D7274F-02E4-D1D6-6FE1-1369B288BF84}"/>
+                <a16:creationId xmlns:a16="http://schemas.microsoft.com/office/drawing/2014/main" id="{BE8DB832-EC22-7B65-E45D-753A4A5C7461}"/>
               </a:ext>
             </a:extLst>
           </p:cNvPr>
@@ -10690,8 +11491,8 @@
         </p:blipFill>
         <p:spPr>
           <a:xfrm>
-            <a:off x="3519537" y="3429000"/>
-            <a:ext cx="2104199" cy="2739032"/>
+            <a:off x="7466029" y="4220525"/>
+            <a:ext cx="2214729" cy="1946496"/>
           </a:xfrm>
           <a:prstGeom prst="rect">
             <a:avLst/>
@@ -10700,10 +11501,589 @@
       </p:pic>
       <p:pic>
         <p:nvPicPr>
-          <p:cNvPr id="9" name="Picture 8" descr="A picture containing text, diagram, rectangle, plan&#10;&#10;Description automatically generated">
+          <p:cNvPr id="37" name="Picture 36" descr="A picture containing screenshot, colorfulness, art&#10;&#10;Description automatically generated">
             <a:extLst>
               <a:ext uri="{FF2B5EF4-FFF2-40B4-BE49-F238E27FC236}">
-                <a16:creationId xmlns:a16="http://schemas.microsoft.com/office/drawing/2014/main" id="{0C8D7B2F-1671-0A40-FFDD-167787861DE9}"/>
+                <a16:creationId xmlns:a16="http://schemas.microsoft.com/office/drawing/2014/main" id="{E6AEC007-5AB2-A8D5-D6BD-AF43460ECC7E}"/>
+              </a:ext>
+            </a:extLst>
+          </p:cNvPr>
+          <p:cNvPicPr>
+            <a:picLocks noChangeAspect="1"/>
+          </p:cNvPicPr>
+          <p:nvPr/>
+        </p:nvPicPr>
+        <p:blipFill>
+          <a:blip r:embed="rId6">
+            <a:extLst>
+              <a:ext uri="{28A0092B-C50C-407E-A947-70E740481C1C}">
+                <a14:useLocalDpi xmlns:a14="http://schemas.microsoft.com/office/drawing/2010/main" val="0"/>
+              </a:ext>
+            </a:extLst>
+          </a:blip>
+          <a:stretch>
+            <a:fillRect/>
+          </a:stretch>
+        </p:blipFill>
+        <p:spPr>
+          <a:xfrm>
+            <a:off x="7643139" y="1244067"/>
+            <a:ext cx="4189645" cy="2094823"/>
+          </a:xfrm>
+          <a:prstGeom prst="rect">
+            <a:avLst/>
+          </a:prstGeom>
+        </p:spPr>
+      </p:pic>
+      <p:pic>
+        <p:nvPicPr>
+          <p:cNvPr id="39" name="Picture 38" descr="A picture containing pattern, wrapping paper, black and white, design&#10;&#10;Description automatically generated">
+            <a:extLst>
+              <a:ext uri="{FF2B5EF4-FFF2-40B4-BE49-F238E27FC236}">
+                <a16:creationId xmlns:a16="http://schemas.microsoft.com/office/drawing/2014/main" id="{37F15841-A615-5031-35FF-A6757170C48F}"/>
+              </a:ext>
+            </a:extLst>
+          </p:cNvPr>
+          <p:cNvPicPr>
+            <a:picLocks noChangeAspect="1"/>
+          </p:cNvPicPr>
+          <p:nvPr/>
+        </p:nvPicPr>
+        <p:blipFill>
+          <a:blip r:embed="rId7" cstate="print">
+            <a:extLst>
+              <a:ext uri="{28A0092B-C50C-407E-A947-70E740481C1C}">
+                <a14:useLocalDpi xmlns:a14="http://schemas.microsoft.com/office/drawing/2010/main" val="0"/>
+              </a:ext>
+            </a:extLst>
+          </a:blip>
+          <a:stretch>
+            <a:fillRect/>
+          </a:stretch>
+        </p:blipFill>
+        <p:spPr>
+          <a:xfrm>
+            <a:off x="691851" y="3708223"/>
+            <a:ext cx="2225511" cy="2225511"/>
+          </a:xfrm>
+          <a:prstGeom prst="rect">
+            <a:avLst/>
+          </a:prstGeom>
+        </p:spPr>
+      </p:pic>
+    </p:spTree>
+    <p:extLst>
+      <p:ext uri="{BB962C8B-B14F-4D97-AF65-F5344CB8AC3E}">
+        <p14:creationId xmlns:p14="http://schemas.microsoft.com/office/powerpoint/2010/main" val="2793725325"/>
+      </p:ext>
+    </p:extLst>
+  </p:cSld>
+  <p:clrMapOvr>
+    <a:masterClrMapping/>
+  </p:clrMapOvr>
+</p:sld>
+</file>
+
+<file path=ppt/slides/slide5.xml><?xml version="1.0" encoding="utf-8"?>
+<p:sld xmlns:a="http://schemas.openxmlformats.org/drawingml/2006/main" xmlns:r="http://schemas.openxmlformats.org/officeDocument/2006/relationships" xmlns:p="http://schemas.openxmlformats.org/presentationml/2006/main">
+  <p:cSld>
+    <p:spTree>
+      <p:nvGrpSpPr>
+        <p:cNvPr id="1" name=""/>
+        <p:cNvGrpSpPr/>
+        <p:nvPr/>
+      </p:nvGrpSpPr>
+      <p:grpSpPr>
+        <a:xfrm>
+          <a:off x="0" y="0"/>
+          <a:ext cx="0" cy="0"/>
+          <a:chOff x="0" y="0"/>
+          <a:chExt cx="0" cy="0"/>
+        </a:xfrm>
+      </p:grpSpPr>
+      <p:pic>
+        <p:nvPicPr>
+          <p:cNvPr id="17" name="Picture 16" descr="A picture containing square, symmetry, rectangle, line&#10;&#10;Description automatically generated">
+            <a:extLst>
+              <a:ext uri="{FF2B5EF4-FFF2-40B4-BE49-F238E27FC236}">
+                <a16:creationId xmlns:a16="http://schemas.microsoft.com/office/drawing/2014/main" id="{1D46A248-7CA9-F704-E55F-21DD30D47DF5}"/>
+              </a:ext>
+            </a:extLst>
+          </p:cNvPr>
+          <p:cNvPicPr>
+            <a:picLocks noChangeAspect="1"/>
+          </p:cNvPicPr>
+          <p:nvPr/>
+        </p:nvPicPr>
+        <p:blipFill>
+          <a:blip r:embed="rId2" cstate="print">
+            <a:extLst>
+              <a:ext uri="{28A0092B-C50C-407E-A947-70E740481C1C}">
+                <a14:useLocalDpi xmlns:a14="http://schemas.microsoft.com/office/drawing/2010/main" val="0"/>
+              </a:ext>
+            </a:extLst>
+          </a:blip>
+          <a:stretch>
+            <a:fillRect/>
+          </a:stretch>
+        </p:blipFill>
+        <p:spPr>
+          <a:xfrm>
+            <a:off x="748195" y="3750413"/>
+            <a:ext cx="1891915" cy="2522554"/>
+          </a:xfrm>
+          <a:prstGeom prst="rect">
+            <a:avLst/>
+          </a:prstGeom>
+        </p:spPr>
+      </p:pic>
+      <p:sp>
+        <p:nvSpPr>
+          <p:cNvPr id="104" name="PlaceHolder 2"/>
+          <p:cNvSpPr>
+            <a:spLocks noGrp="1"/>
+          </p:cNvSpPr>
+          <p:nvPr>
+            <p:ph type="title"/>
+          </p:nvPr>
+        </p:nvSpPr>
+        <p:spPr>
+          <a:xfrm>
+            <a:off x="-1" y="0"/>
+            <a:ext cx="12191759" cy="1325160"/>
+          </a:xfrm>
+          <a:prstGeom prst="rect">
+            <a:avLst/>
+          </a:prstGeom>
+          <a:noFill/>
+          <a:ln w="0">
+            <a:noFill/>
+          </a:ln>
+        </p:spPr>
+        <p:txBody>
+          <a:bodyPr anchor="ctr">
+            <a:noAutofit/>
+          </a:bodyPr>
+          <a:lstStyle/>
+          <a:p>
+            <a:pPr algn="ctr">
+              <a:lnSpc>
+                <a:spcPct val="90000"/>
+              </a:lnSpc>
+              <a:buNone/>
+            </a:pPr>
+            <a:r>
+              <a:rPr lang="en-US" sz="4400" b="1" strike="noStrike" spc="-1" dirty="0">
+                <a:solidFill>
+                  <a:srgbClr val="000000"/>
+                </a:solidFill>
+                <a:latin typeface="Calibri Light"/>
+              </a:rPr>
+              <a:t>FEATURE EXTRACTION – CUBE</a:t>
+            </a:r>
+            <a:endParaRPr lang="en-US" sz="4400" b="1" strike="noStrike" spc="-1" dirty="0">
+              <a:solidFill>
+                <a:srgbClr val="000000"/>
+              </a:solidFill>
+              <a:latin typeface="Calibri"/>
+            </a:endParaRPr>
+          </a:p>
+        </p:txBody>
+      </p:sp>
+      <p:sp>
+        <p:nvSpPr>
+          <p:cNvPr id="105" name="Content Placeholder 2"/>
+          <p:cNvSpPr/>
+          <p:nvPr/>
+        </p:nvSpPr>
+        <p:spPr>
+          <a:xfrm>
+            <a:off x="0" y="6610680"/>
+            <a:ext cx="12191760" cy="246960"/>
+          </a:xfrm>
+          <a:prstGeom prst="rect">
+            <a:avLst/>
+          </a:prstGeom>
+          <a:noFill/>
+          <a:ln w="0">
+            <a:noFill/>
+          </a:ln>
+        </p:spPr>
+        <p:style>
+          <a:lnRef idx="0">
+            <a:scrgbClr r="0" g="0" b="0"/>
+          </a:lnRef>
+          <a:fillRef idx="0">
+            <a:scrgbClr r="0" g="0" b="0"/>
+          </a:fillRef>
+          <a:effectRef idx="0">
+            <a:scrgbClr r="0" g="0" b="0"/>
+          </a:effectRef>
+          <a:fontRef idx="minor"/>
+        </p:style>
+        <p:txBody>
+          <a:bodyPr anchor="t">
+            <a:normAutofit fontScale="95000"/>
+          </a:bodyPr>
+          <a:lstStyle/>
+          <a:p>
+            <a:pPr>
+              <a:lnSpc>
+                <a:spcPct val="90000"/>
+              </a:lnSpc>
+              <a:spcBef>
+                <a:spcPts val="1001"/>
+              </a:spcBef>
+              <a:buNone/>
+              <a:tabLst>
+                <a:tab pos="0" algn="l"/>
+              </a:tabLst>
+            </a:pPr>
+            <a:r>
+              <a:rPr lang="en-US" sz="1200" b="0" strike="noStrike" spc="-1" dirty="0">
+                <a:solidFill>
+                  <a:srgbClr val="000000"/>
+                </a:solidFill>
+                <a:latin typeface="Calibri"/>
+              </a:rPr>
+              <a:t>Codes and files: </a:t>
+            </a:r>
+            <a:r>
+              <a:rPr lang="en-US" sz="1200" spc="-1" dirty="0">
+                <a:solidFill>
+                  <a:srgbClr val="000000"/>
+                </a:solidFill>
+                <a:latin typeface="Calibri"/>
+                <a:hlinkClick r:id="rId3"/>
+              </a:rPr>
+              <a:t>https://github.com/genvert/AP_157_FX-2_Vertudez/tree/main/Activity</a:t>
+            </a:r>
+            <a:r>
+              <a:rPr lang="en-US" sz="1200" spc="-1">
+                <a:solidFill>
+                  <a:srgbClr val="000000"/>
+                </a:solidFill>
+                <a:latin typeface="Calibri"/>
+                <a:hlinkClick r:id="rId3"/>
+              </a:rPr>
+              <a:t>%207</a:t>
+            </a:r>
+            <a:endParaRPr lang="en-US" sz="1200" spc="-1" dirty="0">
+              <a:solidFill>
+                <a:srgbClr val="000000"/>
+              </a:solidFill>
+              <a:latin typeface="Calibri"/>
+            </a:endParaRPr>
+          </a:p>
+        </p:txBody>
+      </p:sp>
+      <p:sp>
+        <p:nvSpPr>
+          <p:cNvPr id="10" name="TextBox 9">
+            <a:extLst>
+              <a:ext uri="{FF2B5EF4-FFF2-40B4-BE49-F238E27FC236}">
+                <a16:creationId xmlns:a16="http://schemas.microsoft.com/office/drawing/2014/main" id="{EBFC1B79-F698-B3A4-99DB-BA406F8442F5}"/>
+              </a:ext>
+            </a:extLst>
+          </p:cNvPr>
+          <p:cNvSpPr txBox="1"/>
+          <p:nvPr/>
+        </p:nvSpPr>
+        <p:spPr>
+          <a:xfrm>
+            <a:off x="977713" y="3414173"/>
+            <a:ext cx="1432875" cy="338554"/>
+          </a:xfrm>
+          <a:prstGeom prst="rect">
+            <a:avLst/>
+          </a:prstGeom>
+          <a:noFill/>
+        </p:spPr>
+        <p:txBody>
+          <a:bodyPr wrap="square" rtlCol="0">
+            <a:spAutoFit/>
+          </a:bodyPr>
+          <a:lstStyle/>
+          <a:p>
+            <a:pPr algn="ctr"/>
+            <a:r>
+              <a:rPr lang="en-US" sz="1600" b="1" dirty="0">
+                <a:latin typeface="Calibri" panose="020F0502020204030204" pitchFamily="34" charset="0"/>
+                <a:cs typeface="Calibri" panose="020F0502020204030204" pitchFamily="34" charset="0"/>
+              </a:rPr>
+              <a:t>Original image</a:t>
+            </a:r>
+          </a:p>
+        </p:txBody>
+      </p:sp>
+      <p:sp>
+        <p:nvSpPr>
+          <p:cNvPr id="11" name="TextBox 10">
+            <a:extLst>
+              <a:ext uri="{FF2B5EF4-FFF2-40B4-BE49-F238E27FC236}">
+                <a16:creationId xmlns:a16="http://schemas.microsoft.com/office/drawing/2014/main" id="{6AEB4832-7289-07A7-4295-7326272A8B79}"/>
+              </a:ext>
+            </a:extLst>
+          </p:cNvPr>
+          <p:cNvSpPr txBox="1"/>
+          <p:nvPr/>
+        </p:nvSpPr>
+        <p:spPr>
+          <a:xfrm>
+            <a:off x="826703" y="6197205"/>
+            <a:ext cx="1734897" cy="338554"/>
+          </a:xfrm>
+          <a:prstGeom prst="rect">
+            <a:avLst/>
+          </a:prstGeom>
+          <a:noFill/>
+        </p:spPr>
+        <p:txBody>
+          <a:bodyPr wrap="square" rtlCol="0">
+            <a:spAutoFit/>
+          </a:bodyPr>
+          <a:lstStyle/>
+          <a:p>
+            <a:pPr algn="ctr"/>
+            <a:r>
+              <a:rPr lang="en-US" sz="1600" b="1" dirty="0">
+                <a:latin typeface="Calibri" panose="020F0502020204030204" pitchFamily="34" charset="0"/>
+                <a:cs typeface="Calibri" panose="020F0502020204030204" pitchFamily="34" charset="0"/>
+              </a:rPr>
+              <a:t>Segmented image</a:t>
+            </a:r>
+          </a:p>
+        </p:txBody>
+      </p:sp>
+      <p:sp>
+        <p:nvSpPr>
+          <p:cNvPr id="12" name="TextBox 11">
+            <a:extLst>
+              <a:ext uri="{FF2B5EF4-FFF2-40B4-BE49-F238E27FC236}">
+                <a16:creationId xmlns:a16="http://schemas.microsoft.com/office/drawing/2014/main" id="{A3EDC94A-CA75-8AEB-7327-009AA62177A3}"/>
+              </a:ext>
+            </a:extLst>
+          </p:cNvPr>
+          <p:cNvSpPr txBox="1"/>
+          <p:nvPr/>
+        </p:nvSpPr>
+        <p:spPr>
+          <a:xfrm>
+            <a:off x="8937805" y="3045935"/>
+            <a:ext cx="1432875" cy="338554"/>
+          </a:xfrm>
+          <a:prstGeom prst="rect">
+            <a:avLst/>
+          </a:prstGeom>
+          <a:noFill/>
+        </p:spPr>
+        <p:txBody>
+          <a:bodyPr wrap="square" rtlCol="0">
+            <a:spAutoFit/>
+          </a:bodyPr>
+          <a:lstStyle/>
+          <a:p>
+            <a:pPr algn="ctr"/>
+            <a:r>
+              <a:rPr lang="en-US" sz="1600" b="1" dirty="0">
+                <a:latin typeface="Calibri" panose="020F0502020204030204" pitchFamily="34" charset="0"/>
+                <a:cs typeface="Calibri" panose="020F0502020204030204" pitchFamily="34" charset="0"/>
+              </a:rPr>
+              <a:t>Labeled image</a:t>
+            </a:r>
+          </a:p>
+        </p:txBody>
+      </p:sp>
+      <p:sp>
+        <p:nvSpPr>
+          <p:cNvPr id="13" name="TextBox 12">
+            <a:extLst>
+              <a:ext uri="{FF2B5EF4-FFF2-40B4-BE49-F238E27FC236}">
+                <a16:creationId xmlns:a16="http://schemas.microsoft.com/office/drawing/2014/main" id="{65E67B09-030D-C2C9-E027-3874D8F50BAE}"/>
+              </a:ext>
+            </a:extLst>
+          </p:cNvPr>
+          <p:cNvSpPr txBox="1"/>
+          <p:nvPr/>
+        </p:nvSpPr>
+        <p:spPr>
+          <a:xfrm>
+            <a:off x="8920958" y="6205749"/>
+            <a:ext cx="1432875" cy="338554"/>
+          </a:xfrm>
+          <a:prstGeom prst="rect">
+            <a:avLst/>
+          </a:prstGeom>
+          <a:noFill/>
+        </p:spPr>
+        <p:txBody>
+          <a:bodyPr wrap="square" rtlCol="0">
+            <a:spAutoFit/>
+          </a:bodyPr>
+          <a:lstStyle/>
+          <a:p>
+            <a:pPr algn="ctr"/>
+            <a:r>
+              <a:rPr lang="en-US" sz="1600" b="1" dirty="0">
+                <a:latin typeface="Calibri" panose="020F0502020204030204" pitchFamily="34" charset="0"/>
+                <a:cs typeface="Calibri" panose="020F0502020204030204" pitchFamily="34" charset="0"/>
+              </a:rPr>
+              <a:t>Features</a:t>
+            </a:r>
+          </a:p>
+        </p:txBody>
+      </p:sp>
+      <p:sp>
+        <p:nvSpPr>
+          <p:cNvPr id="20" name="TextBox 19">
+            <a:extLst>
+              <a:ext uri="{FF2B5EF4-FFF2-40B4-BE49-F238E27FC236}">
+                <a16:creationId xmlns:a16="http://schemas.microsoft.com/office/drawing/2014/main" id="{6FFA19FB-904B-F626-A996-4A0F5556C6C7}"/>
+              </a:ext>
+            </a:extLst>
+          </p:cNvPr>
+          <p:cNvSpPr txBox="1"/>
+          <p:nvPr/>
+        </p:nvSpPr>
+        <p:spPr>
+          <a:xfrm>
+            <a:off x="3388307" y="1325160"/>
+            <a:ext cx="4189645" cy="4832092"/>
+          </a:xfrm>
+          <a:prstGeom prst="rect">
+            <a:avLst/>
+          </a:prstGeom>
+          <a:noFill/>
+        </p:spPr>
+        <p:txBody>
+          <a:bodyPr wrap="square" rtlCol="0">
+            <a:spAutoFit/>
+          </a:bodyPr>
+          <a:lstStyle/>
+          <a:p>
+            <a:pPr algn="just"/>
+            <a:r>
+              <a:rPr lang="en-US" sz="1400" dirty="0">
+                <a:latin typeface="Calibri" panose="020F0502020204030204" pitchFamily="34" charset="0"/>
+                <a:cs typeface="Calibri" panose="020F0502020204030204" pitchFamily="34" charset="0"/>
+              </a:rPr>
+              <a:t>Shown on the left again are the original image and the segmented image of the 4x4x4 Rubik’s cube.</a:t>
+            </a:r>
+          </a:p>
+          <a:p>
+            <a:pPr algn="just"/>
+            <a:endParaRPr lang="en-US" sz="1400" dirty="0">
+              <a:latin typeface="Calibri" panose="020F0502020204030204" pitchFamily="34" charset="0"/>
+              <a:cs typeface="Calibri" panose="020F0502020204030204" pitchFamily="34" charset="0"/>
+            </a:endParaRPr>
+          </a:p>
+          <a:p>
+            <a:pPr algn="just"/>
+            <a:r>
+              <a:rPr lang="en-US" sz="1400" dirty="0">
+                <a:latin typeface="Calibri" panose="020F0502020204030204" pitchFamily="34" charset="0"/>
+                <a:cs typeface="Calibri" panose="020F0502020204030204" pitchFamily="34" charset="0"/>
+              </a:rPr>
+              <a:t>We can then label each piece individually, with colors or with numbers as shown in the right. The number labels are placed on the centroid of each blob, which is a feature also extracted from it. One piece is counted as one continuous (connected) white patch. It might seem that the previously segmented (not yet morphed) is better, but it still shows white patches on the orange cube where there is reflection (top left). Thus, it is necessary to use morphological operators to remove them. Note that from ImageJ, the segmented image actually contains the said noise in the orange cube, but they only labeled the white ones, so it was okay that time.</a:t>
+            </a:r>
+          </a:p>
+          <a:p>
+            <a:pPr algn="just"/>
+            <a:endParaRPr lang="en-US" sz="1400" dirty="0">
+              <a:latin typeface="Calibri" panose="020F0502020204030204" pitchFamily="34" charset="0"/>
+              <a:cs typeface="Calibri" panose="020F0502020204030204" pitchFamily="34" charset="0"/>
+            </a:endParaRPr>
+          </a:p>
+          <a:p>
+            <a:pPr algn="just"/>
+            <a:r>
+              <a:rPr lang="en-US" sz="1400" dirty="0">
+                <a:latin typeface="Calibri" panose="020F0502020204030204" pitchFamily="34" charset="0"/>
+                <a:cs typeface="Calibri" panose="020F0502020204030204" pitchFamily="34" charset="0"/>
+              </a:rPr>
+              <a:t>The image on the right shows the extracted features of each cell, including their area, convex area which is the area of the smallest convex shape that can bound the cell, bounding box area, major and minor axes lengths, and eccentricity which is a measure of roundness.</a:t>
+            </a:r>
+          </a:p>
+        </p:txBody>
+      </p:sp>
+      <p:pic>
+        <p:nvPicPr>
+          <p:cNvPr id="3" name="Picture 2" descr="A picture containing wall, rectangle, blue, indoor&#10;&#10;Description automatically generated">
+            <a:extLst>
+              <a:ext uri="{FF2B5EF4-FFF2-40B4-BE49-F238E27FC236}">
+                <a16:creationId xmlns:a16="http://schemas.microsoft.com/office/drawing/2014/main" id="{D524DFD9-37FE-83AF-C154-8C70E1AD025D}"/>
+              </a:ext>
+            </a:extLst>
+          </p:cNvPr>
+          <p:cNvPicPr>
+            <a:picLocks noChangeAspect="1"/>
+          </p:cNvPicPr>
+          <p:nvPr/>
+        </p:nvPicPr>
+        <p:blipFill>
+          <a:blip r:embed="rId4" cstate="print">
+            <a:extLst>
+              <a:ext uri="{28A0092B-C50C-407E-A947-70E740481C1C}">
+                <a14:useLocalDpi xmlns:a14="http://schemas.microsoft.com/office/drawing/2010/main" val="0"/>
+              </a:ext>
+            </a:extLst>
+          </a:blip>
+          <a:stretch>
+            <a:fillRect/>
+          </a:stretch>
+        </p:blipFill>
+        <p:spPr>
+          <a:xfrm>
+            <a:off x="748196" y="939067"/>
+            <a:ext cx="1891915" cy="2522554"/>
+          </a:xfrm>
+          <a:prstGeom prst="rect">
+            <a:avLst/>
+          </a:prstGeom>
+        </p:spPr>
+      </p:pic>
+      <p:pic>
+        <p:nvPicPr>
+          <p:cNvPr id="6" name="Picture 5" descr="A picture containing text, screenshot, number, font&#10;&#10;Description automatically generated">
+            <a:extLst>
+              <a:ext uri="{FF2B5EF4-FFF2-40B4-BE49-F238E27FC236}">
+                <a16:creationId xmlns:a16="http://schemas.microsoft.com/office/drawing/2014/main" id="{53C72D64-C1AE-CDBE-DB3B-590A02484E95}"/>
+              </a:ext>
+            </a:extLst>
+          </p:cNvPr>
+          <p:cNvPicPr>
+            <a:picLocks noChangeAspect="1"/>
+          </p:cNvPicPr>
+          <p:nvPr/>
+        </p:nvPicPr>
+        <p:blipFill>
+          <a:blip r:embed="rId5">
+            <a:extLst>
+              <a:ext uri="{28A0092B-C50C-407E-A947-70E740481C1C}">
+                <a14:useLocalDpi xmlns:a14="http://schemas.microsoft.com/office/drawing/2010/main" val="0"/>
+              </a:ext>
+            </a:extLst>
+          </a:blip>
+          <a:stretch>
+            <a:fillRect/>
+          </a:stretch>
+        </p:blipFill>
+        <p:spPr>
+          <a:xfrm>
+            <a:off x="8004551" y="3597984"/>
+            <a:ext cx="3265690" cy="2573129"/>
+          </a:xfrm>
+          <a:prstGeom prst="rect">
+            <a:avLst/>
+          </a:prstGeom>
+        </p:spPr>
+      </p:pic>
+      <p:pic>
+        <p:nvPicPr>
+          <p:cNvPr id="9" name="Picture 8" descr="A picture containing screenshot, text, colorfulness&#10;&#10;Description automatically generated">
+            <a:extLst>
+              <a:ext uri="{FF2B5EF4-FFF2-40B4-BE49-F238E27FC236}">
+                <a16:creationId xmlns:a16="http://schemas.microsoft.com/office/drawing/2014/main" id="{227C396C-16E4-6ACA-4517-1DD3A74C7B08}"/>
               </a:ext>
             </a:extLst>
           </p:cNvPr>
@@ -10726,238 +12106,20 @@
         </p:blipFill>
         <p:spPr>
           <a:xfrm>
-            <a:off x="6592611" y="3429001"/>
-            <a:ext cx="2079851" cy="2739032"/>
+            <a:off x="7664567" y="1018799"/>
+            <a:ext cx="3979352" cy="1989676"/>
           </a:xfrm>
           <a:prstGeom prst="rect">
             <a:avLst/>
           </a:prstGeom>
         </p:spPr>
       </p:pic>
-      <p:sp>
-        <p:nvSpPr>
-          <p:cNvPr id="10" name="TextBox 9">
-            <a:extLst>
-              <a:ext uri="{FF2B5EF4-FFF2-40B4-BE49-F238E27FC236}">
-                <a16:creationId xmlns:a16="http://schemas.microsoft.com/office/drawing/2014/main" id="{EBFC1B79-F698-B3A4-99DB-BA406F8442F5}"/>
-              </a:ext>
-            </a:extLst>
-          </p:cNvPr>
-          <p:cNvSpPr txBox="1"/>
-          <p:nvPr/>
-        </p:nvSpPr>
-        <p:spPr>
-          <a:xfrm>
-            <a:off x="803365" y="6165534"/>
-            <a:ext cx="1432875" cy="338554"/>
-          </a:xfrm>
-          <a:prstGeom prst="rect">
-            <a:avLst/>
-          </a:prstGeom>
-          <a:noFill/>
-        </p:spPr>
-        <p:txBody>
-          <a:bodyPr wrap="square" rtlCol="0">
-            <a:spAutoFit/>
-          </a:bodyPr>
-          <a:lstStyle/>
-          <a:p>
-            <a:pPr algn="ctr"/>
-            <a:r>
-              <a:rPr lang="en-US" sz="1600" b="1" dirty="0">
-                <a:latin typeface="Calibri" panose="020F0502020204030204" pitchFamily="34" charset="0"/>
-                <a:cs typeface="Calibri" panose="020F0502020204030204" pitchFamily="34" charset="0"/>
-              </a:rPr>
-              <a:t>Solid square</a:t>
-            </a:r>
-          </a:p>
-        </p:txBody>
-      </p:sp>
-      <p:sp>
-        <p:nvSpPr>
-          <p:cNvPr id="11" name="TextBox 10">
-            <a:extLst>
-              <a:ext uri="{FF2B5EF4-FFF2-40B4-BE49-F238E27FC236}">
-                <a16:creationId xmlns:a16="http://schemas.microsoft.com/office/drawing/2014/main" id="{6AEB4832-7289-07A7-4295-7326272A8B79}"/>
-              </a:ext>
-            </a:extLst>
-          </p:cNvPr>
-          <p:cNvSpPr txBox="1"/>
-          <p:nvPr/>
-        </p:nvSpPr>
-        <p:spPr>
-          <a:xfrm>
-            <a:off x="3855198" y="6165534"/>
-            <a:ext cx="1432875" cy="338554"/>
-          </a:xfrm>
-          <a:prstGeom prst="rect">
-            <a:avLst/>
-          </a:prstGeom>
-          <a:noFill/>
-        </p:spPr>
-        <p:txBody>
-          <a:bodyPr wrap="square" rtlCol="0">
-            <a:spAutoFit/>
-          </a:bodyPr>
-          <a:lstStyle/>
-          <a:p>
-            <a:pPr algn="ctr"/>
-            <a:r>
-              <a:rPr lang="en-US" sz="1600" b="1" dirty="0">
-                <a:latin typeface="Calibri" panose="020F0502020204030204" pitchFamily="34" charset="0"/>
-                <a:cs typeface="Calibri" panose="020F0502020204030204" pitchFamily="34" charset="0"/>
-              </a:rPr>
-              <a:t>Hollow square</a:t>
-            </a:r>
-          </a:p>
-        </p:txBody>
-      </p:sp>
-      <p:sp>
-        <p:nvSpPr>
-          <p:cNvPr id="12" name="TextBox 11">
-            <a:extLst>
-              <a:ext uri="{FF2B5EF4-FFF2-40B4-BE49-F238E27FC236}">
-                <a16:creationId xmlns:a16="http://schemas.microsoft.com/office/drawing/2014/main" id="{A3EDC94A-CA75-8AEB-7327-009AA62177A3}"/>
-              </a:ext>
-            </a:extLst>
-          </p:cNvPr>
-          <p:cNvSpPr txBox="1"/>
-          <p:nvPr/>
-        </p:nvSpPr>
-        <p:spPr>
-          <a:xfrm>
-            <a:off x="6916069" y="6165534"/>
-            <a:ext cx="1432875" cy="338554"/>
-          </a:xfrm>
-          <a:prstGeom prst="rect">
-            <a:avLst/>
-          </a:prstGeom>
-          <a:noFill/>
-        </p:spPr>
-        <p:txBody>
-          <a:bodyPr wrap="square" rtlCol="0">
-            <a:spAutoFit/>
-          </a:bodyPr>
-          <a:lstStyle/>
-          <a:p>
-            <a:pPr algn="ctr"/>
-            <a:r>
-              <a:rPr lang="en-US" sz="1600" b="1" dirty="0">
-                <a:latin typeface="Calibri" panose="020F0502020204030204" pitchFamily="34" charset="0"/>
-                <a:cs typeface="Calibri" panose="020F0502020204030204" pitchFamily="34" charset="0"/>
-              </a:rPr>
-              <a:t>Plus symbol</a:t>
-            </a:r>
-          </a:p>
-        </p:txBody>
-      </p:sp>
-      <p:sp>
-        <p:nvSpPr>
-          <p:cNvPr id="13" name="TextBox 12">
-            <a:extLst>
-              <a:ext uri="{FF2B5EF4-FFF2-40B4-BE49-F238E27FC236}">
-                <a16:creationId xmlns:a16="http://schemas.microsoft.com/office/drawing/2014/main" id="{65E67B09-030D-C2C9-E027-3874D8F50BAE}"/>
-              </a:ext>
-            </a:extLst>
-          </p:cNvPr>
-          <p:cNvSpPr txBox="1"/>
-          <p:nvPr/>
-        </p:nvSpPr>
-        <p:spPr>
-          <a:xfrm>
-            <a:off x="9955759" y="6165534"/>
-            <a:ext cx="1432875" cy="338554"/>
-          </a:xfrm>
-          <a:prstGeom prst="rect">
-            <a:avLst/>
-          </a:prstGeom>
-          <a:noFill/>
-        </p:spPr>
-        <p:txBody>
-          <a:bodyPr wrap="square" rtlCol="0">
-            <a:spAutoFit/>
-          </a:bodyPr>
-          <a:lstStyle/>
-          <a:p>
-            <a:pPr algn="ctr"/>
-            <a:r>
-              <a:rPr lang="en-US" sz="1600" b="1" dirty="0" err="1">
-                <a:latin typeface="Calibri" panose="020F0502020204030204" pitchFamily="34" charset="0"/>
-                <a:cs typeface="Calibri" panose="020F0502020204030204" pitchFamily="34" charset="0"/>
-              </a:rPr>
-              <a:t>Dumbell</a:t>
-            </a:r>
-            <a:endParaRPr lang="en-US" sz="1600" b="1" dirty="0">
-              <a:latin typeface="Calibri" panose="020F0502020204030204" pitchFamily="34" charset="0"/>
-              <a:cs typeface="Calibri" panose="020F0502020204030204" pitchFamily="34" charset="0"/>
-            </a:endParaRPr>
-          </a:p>
-        </p:txBody>
-      </p:sp>
-      <p:sp>
-        <p:nvSpPr>
-          <p:cNvPr id="15" name="TextBox 14">
-            <a:extLst>
-              <a:ext uri="{FF2B5EF4-FFF2-40B4-BE49-F238E27FC236}">
-                <a16:creationId xmlns:a16="http://schemas.microsoft.com/office/drawing/2014/main" id="{44B9FB98-D7FB-F0C6-B569-8C8FF252ABDB}"/>
-              </a:ext>
-            </a:extLst>
-          </p:cNvPr>
-          <p:cNvSpPr txBox="1"/>
-          <p:nvPr/>
-        </p:nvSpPr>
-        <p:spPr>
-          <a:xfrm>
-            <a:off x="488943" y="1265808"/>
-            <a:ext cx="11322843" cy="2062103"/>
-          </a:xfrm>
-          <a:prstGeom prst="rect">
-            <a:avLst/>
-          </a:prstGeom>
-          <a:noFill/>
-        </p:spPr>
-        <p:txBody>
-          <a:bodyPr wrap="square" rtlCol="0">
-            <a:spAutoFit/>
-          </a:bodyPr>
-          <a:lstStyle/>
-          <a:p>
-            <a:pPr algn="just"/>
-            <a:r>
-              <a:rPr lang="en-US" sz="1600" b="1" dirty="0">
-                <a:latin typeface="Calibri" panose="020F0502020204030204" pitchFamily="34" charset="0"/>
-                <a:cs typeface="Calibri" panose="020F0502020204030204" pitchFamily="34" charset="0"/>
-              </a:rPr>
-              <a:t>Morphological operations </a:t>
-            </a:r>
-            <a:r>
-              <a:rPr lang="en-US" sz="1600" dirty="0">
-                <a:latin typeface="Calibri" panose="020F0502020204030204" pitchFamily="34" charset="0"/>
-                <a:cs typeface="Calibri" panose="020F0502020204030204" pitchFamily="34" charset="0"/>
-              </a:rPr>
-              <a:t>are usually used on binary images of 0’s and 1’s where the 1’s constitute the image. As the name suggests, they are operations used to manipulate the morphology, or shape, of an image based on a given structuring element (SE). The common morphological operations include the dilation, erosion, opening (erode then dilate), and closing (dilate then erode) operation.</a:t>
-            </a:r>
-          </a:p>
-          <a:p>
-            <a:pPr algn="just"/>
-            <a:endParaRPr lang="en-US" sz="1600" b="1" dirty="0">
-              <a:latin typeface="Calibri" panose="020F0502020204030204" pitchFamily="34" charset="0"/>
-              <a:cs typeface="Calibri" panose="020F0502020204030204" pitchFamily="34" charset="0"/>
-            </a:endParaRPr>
-          </a:p>
-          <a:p>
-            <a:pPr algn="just"/>
-            <a:r>
-              <a:rPr lang="en-US" sz="1600" dirty="0">
-                <a:latin typeface="Calibri" panose="020F0502020204030204" pitchFamily="34" charset="0"/>
-                <a:cs typeface="Calibri" panose="020F0502020204030204" pitchFamily="34" charset="0"/>
-              </a:rPr>
-              <a:t>Before trying out the morphological operations available in Python, I tried mapping the results in a graphing paper. Dilation “extends” an image, while erosion “contracts” it. Dilation works by overlapping the origin of the SE over different pixels, and “turning on”, or switching that pixel to a 1 IF the image and the structuring element overlap even by one pixel. On the other hand, erosion works by again overlapping the origin of the SE over different pixels, and turning it on only when the SE is fully inside the image.</a:t>
-            </a:r>
-          </a:p>
-        </p:txBody>
-      </p:sp>
     </p:spTree>
+    <p:extLst>
+      <p:ext uri="{BB962C8B-B14F-4D97-AF65-F5344CB8AC3E}">
+        <p14:creationId xmlns:p14="http://schemas.microsoft.com/office/powerpoint/2010/main" val="1483203767"/>
+      </p:ext>
+    </p:extLst>
   </p:cSld>
   <p:clrMapOvr>
     <a:masterClrMapping/>
@@ -10965,7 +12127,7 @@
 </p:sld>
 </file>
 
-<file path=ppt/slides/slide4.xml><?xml version="1.0" encoding="utf-8"?>
+<file path=ppt/slides/slide6.xml><?xml version="1.0" encoding="utf-8"?>
 <p:sld xmlns:a="http://schemas.openxmlformats.org/drawingml/2006/main" xmlns:r="http://schemas.openxmlformats.org/officeDocument/2006/relationships" xmlns:p="http://schemas.openxmlformats.org/presentationml/2006/main">
   <p:cSld>
     <p:spTree>
@@ -11236,7 +12398,7 @@
                 <a:latin typeface="Calibri" panose="020F0502020204030204" pitchFamily="34" charset="0"/>
                 <a:cs typeface="Calibri" panose="020F0502020204030204" pitchFamily="34" charset="0"/>
               </a:rPr>
-              <a:t>This activity was somewhat a breather since it was fun and easy to do!</a:t>
+              <a:t>This activity was very straightforward.</a:t>
             </a:r>
           </a:p>
           <a:p>
@@ -11249,7 +12411,7 @@
                 <a:latin typeface="Calibri" panose="020F0502020204030204" pitchFamily="34" charset="0"/>
                 <a:cs typeface="Calibri" panose="020F0502020204030204" pitchFamily="34" charset="0"/>
               </a:rPr>
-              <a:t>It was nice to look back at Set Theory because I am fuzzy with it.</a:t>
+              <a:t>It was fun to see you can automatically extract features from an image after segmenting it cleanly.</a:t>
             </a:r>
           </a:p>
           <a:p>
@@ -11262,20 +12424,7 @@
                 <a:latin typeface="Calibri" panose="020F0502020204030204" pitchFamily="34" charset="0"/>
                 <a:cs typeface="Calibri" panose="020F0502020204030204" pitchFamily="34" charset="0"/>
               </a:rPr>
-              <a:t>I really enjoyed the manual mapping of the morphological operations and drawing it on a graphing paper. It was fun to visualize how the structuring elements will affect the images.</a:t>
-            </a:r>
-          </a:p>
-          <a:p>
-            <a:pPr marL="0" indent="0">
-              <a:buFont typeface="Arial" panose="020B0604020202020204" pitchFamily="34" charset="0"/>
-              <a:buNone/>
-            </a:pPr>
-            <a:r>
-              <a:rPr lang="en-US" dirty="0">
-                <a:latin typeface="Calibri" panose="020F0502020204030204" pitchFamily="34" charset="0"/>
-                <a:cs typeface="Calibri" panose="020F0502020204030204" pitchFamily="34" charset="0"/>
-              </a:rPr>
-              <a:t>Lastly, I found it satisfying when a noisy segmented image gets cleaned up using morphological operators.</a:t>
+              <a:t>This definitely gave me ample idea on how ImageJ extract features from the image since we have done it by parts and explored the mathematics behind them.</a:t>
             </a:r>
           </a:p>
           <a:p>
@@ -11298,7 +12447,7 @@
 </p:sld>
 </file>
 
-<file path=ppt/slides/slide5.xml><?xml version="1.0" encoding="utf-8"?>
+<file path=ppt/slides/slide7.xml><?xml version="1.0" encoding="utf-8"?>
 <p:sld xmlns:a="http://schemas.openxmlformats.org/drawingml/2006/main" xmlns:r="http://schemas.openxmlformats.org/officeDocument/2006/relationships" xmlns:p="http://schemas.openxmlformats.org/presentationml/2006/main">
   <p:cSld>
     <p:spTree>
@@ -11442,7 +12591,7 @@
                 </a:solidFill>
                 <a:latin typeface="Calibri"/>
               </a:rPr>
-              <a:t>am confident that I understood how to experiment with combinations of morphological operations in order to gets the best “cleaned” segmented image.</a:t>
+              <a:t>am confident that I understood how to label the original image with colors or with numbers, and to extract features using the cleanly segmented image.</a:t>
             </a:r>
           </a:p>
           <a:p>
@@ -11532,7 +12681,7 @@
                 </a:solidFill>
                 <a:latin typeface="Calibri"/>
               </a:rPr>
-              <a:t>The activity was really fun and easy. I only slacked because I was stuck in the previous activity and again my bad habit is not trying other things when I am stuck in a previous thing.</a:t>
+              <a:t>The activity was really fun and straightforward. I gained knowledge behind the ideas on how ImageJ extract features from images.</a:t>
             </a:r>
           </a:p>
           <a:p>
@@ -11595,7 +12744,7 @@
 </p:sld>
 </file>
 
-<file path=ppt/slides/slide6.xml><?xml version="1.0" encoding="utf-8"?>
+<file path=ppt/slides/slide8.xml><?xml version="1.0" encoding="utf-8"?>
 <p:sld xmlns:a="http://schemas.openxmlformats.org/drawingml/2006/main" xmlns:r="http://schemas.openxmlformats.org/officeDocument/2006/relationships" xmlns:p="http://schemas.openxmlformats.org/presentationml/2006/main">
   <p:cSld>
     <p:spTree>
@@ -11659,7 +12808,7 @@
         <p:spPr/>
         <p:txBody>
           <a:bodyPr>
-            <a:normAutofit fontScale="92500"/>
+            <a:normAutofit/>
           </a:bodyPr>
           <a:lstStyle/>
           <a:p>
@@ -11668,62 +12817,8 @@
             </a:pPr>
             <a:r>
               <a:rPr lang="en-US" dirty="0"/>
-              <a:t>[1] Soriano, M. (2023). AP 157 module. A6- Morphological operation 2023.</a:t>
-            </a:r>
-          </a:p>
-          <a:p>
-            <a:pPr marL="0" indent="0">
-              <a:buNone/>
-            </a:pPr>
-            <a:r>
-              <a:rPr lang="en-US" dirty="0"/>
-              <a:t>[2] </a:t>
-            </a:r>
-            <a:r>
-              <a:rPr lang="en-US" dirty="0">
-                <a:hlinkClick r:id="rId2"/>
-              </a:rPr>
-              <a:t>https://www.youtube.com/watch?v=bRa770kRapc&amp;pp=ygUsbW9ycGhvbG9naWNhbCBvcGVyYXRpb25zIGluIGltYWdlIHByb2Nlc3Npbmc%3D</a:t>
-            </a:r>
-            <a:endParaRPr lang="en-US" dirty="0"/>
-          </a:p>
-          <a:p>
-            <a:pPr marL="0" indent="0">
-              <a:buNone/>
-            </a:pPr>
-            <a:r>
-              <a:rPr lang="en-US" dirty="0"/>
-              <a:t>[3] </a:t>
-            </a:r>
-            <a:r>
-              <a:rPr lang="en-US" dirty="0">
-                <a:hlinkClick r:id="rId3"/>
-              </a:rPr>
-              <a:t>https://www.youtube.com/watch?v=d1we_yqUASg&amp;t=640s&amp;pp=ygUsbW9ycGhvbG9naWNhbCBvcGVyYXRpb25zIGluIGltYWdlIHByb2Nlc3Npbmc%3D</a:t>
-            </a:r>
-            <a:endParaRPr lang="en-US" dirty="0"/>
-          </a:p>
-          <a:p>
-            <a:pPr marL="0" indent="0">
-              <a:buNone/>
-            </a:pPr>
-            <a:r>
-              <a:rPr lang="en-US" dirty="0"/>
-              <a:t>[4] </a:t>
-            </a:r>
-            <a:r>
-              <a:rPr lang="en-US" dirty="0">
-                <a:hlinkClick r:id="rId4"/>
-              </a:rPr>
-              <a:t>https://www.youtube.com/watch?v=2LAooUu1IjQ&amp;pp=ygUsbW9ycGhvbG9naWNhbCBvcGVyYXRpb25zIGluIGltYWdlIHByb2Nlc3Npbmc%3D</a:t>
-            </a:r>
-            <a:endParaRPr lang="en-US" dirty="0"/>
-          </a:p>
-          <a:p>
-            <a:pPr marL="0" indent="0">
-              <a:buNone/>
-            </a:pPr>
-            <a:endParaRPr lang="en-US" dirty="0"/>
+              <a:t>[1] Soriano, M. (2023). AP 157 module. Activity 7 - Feature Extraction Part 3 of 3.</a:t>
+            </a:r>
           </a:p>
         </p:txBody>
       </p:sp>
